--- a/cases/B_AIID/Hew_TM_AIID_case.pptx
+++ b/cases/B_AIID/Hew_TM_AIID_case.pptx
@@ -7251,7 +7251,7 @@
             </a:pPr>
             <a:r>
               <a:rPr lang="en-US" dirty="0"/>
-              <a:t>1983 to 2010 – Nuclear war, stock market, and Amazon</a:t>
+              <a:t>1983 to 2010 – Nuclear war, stock market flash crash, and Amazon sales rank</a:t>
             </a:r>
           </a:p>
           <a:p>
@@ -7261,7 +7261,7 @@
             </a:pPr>
             <a:r>
               <a:rPr lang="en-US" dirty="0"/>
-              <a:t>2011to 2015 – Google Search, Ibrahim?, Amazon Echo</a:t>
+              <a:t>2011to 2015 – Google Search, work firing, Amazon Echo</a:t>
             </a:r>
           </a:p>
           <a:p>
@@ -7271,7 +7271,7 @@
             </a:pPr>
             <a:r>
               <a:rPr lang="en-US" dirty="0"/>
-              <a:t>2015 to 2020 – Tesla/Self Driving, Chatbots, Facial Recognition/Surveillance</a:t>
+              <a:t>2015 to 2020 – Tesla/Self Driving and Facial Recognition/Surveillance</a:t>
             </a:r>
           </a:p>
           <a:p>
